--- a/slides/1. Planning_Organization.pptx
+++ b/slides/1. Planning_Organization.pptx
@@ -209,7 +209,7 @@
           <a:p>
             <a:fld id="{1B6E2612-5213-4B6B-99A8-BAC5DC9C4481}" type="datetimeFigureOut">
               <a:rPr lang="en-US" smtClean="0"/>
-              <a:t>10/17/2022</a:t>
+              <a:t>10/20/2022</a:t>
             </a:fld>
             <a:endParaRPr lang="en-US"/>
           </a:p>
@@ -2543,7 +2543,7 @@
           <a:p>
             <a:fld id="{4DDB5538-DA78-4C2C-BF6B-9485BBAF1D80}" type="datetimeFigureOut">
               <a:rPr lang="en-US" smtClean="0"/>
-              <a:t>10/17/2022</a:t>
+              <a:t>10/20/2022</a:t>
             </a:fld>
             <a:endParaRPr lang="en-US"/>
           </a:p>
@@ -2832,7 +2832,7 @@
           <a:p>
             <a:fld id="{4DDB5538-DA78-4C2C-BF6B-9485BBAF1D80}" type="datetimeFigureOut">
               <a:rPr lang="en-US" smtClean="0"/>
-              <a:t>10/17/2022</a:t>
+              <a:t>10/20/2022</a:t>
             </a:fld>
             <a:endParaRPr lang="en-US"/>
           </a:p>
@@ -3121,7 +3121,7 @@
           <a:p>
             <a:fld id="{4DDB5538-DA78-4C2C-BF6B-9485BBAF1D80}" type="datetimeFigureOut">
               <a:rPr lang="en-US" smtClean="0"/>
-              <a:t>10/17/2022</a:t>
+              <a:t>10/20/2022</a:t>
             </a:fld>
             <a:endParaRPr lang="en-US"/>
           </a:p>
@@ -3410,7 +3410,7 @@
           <a:p>
             <a:fld id="{4DDB5538-DA78-4C2C-BF6B-9485BBAF1D80}" type="datetimeFigureOut">
               <a:rPr lang="en-US" smtClean="0"/>
-              <a:t>10/17/2022</a:t>
+              <a:t>10/20/2022</a:t>
             </a:fld>
             <a:endParaRPr lang="en-US"/>
           </a:p>
@@ -3647,7 +3647,7 @@
           <a:p>
             <a:fld id="{4DDB5538-DA78-4C2C-BF6B-9485BBAF1D80}" type="datetimeFigureOut">
               <a:rPr lang="en-US" smtClean="0"/>
-              <a:t>10/17/2022</a:t>
+              <a:t>10/20/2022</a:t>
             </a:fld>
             <a:endParaRPr lang="en-US"/>
           </a:p>
@@ -4104,7 +4104,7 @@
           <a:p>
             <a:fld id="{4DDB5538-DA78-4C2C-BF6B-9485BBAF1D80}" type="datetimeFigureOut">
               <a:rPr lang="en-US" smtClean="0"/>
-              <a:t>10/17/2022</a:t>
+              <a:t>10/20/2022</a:t>
             </a:fld>
             <a:endParaRPr lang="en-US"/>
           </a:p>
@@ -4295,7 +4295,7 @@
           <a:p>
             <a:fld id="{4DDB5538-DA78-4C2C-BF6B-9485BBAF1D80}" type="datetimeFigureOut">
               <a:rPr lang="en-US" smtClean="0"/>
-              <a:t>10/17/2022</a:t>
+              <a:t>10/20/2022</a:t>
             </a:fld>
             <a:endParaRPr lang="en-US"/>
           </a:p>
@@ -6668,7 +6668,7 @@
           <a:p>
             <a:fld id="{4DDB5538-DA78-4C2C-BF6B-9485BBAF1D80}" type="datetimeFigureOut">
               <a:rPr lang="en-US" smtClean="0"/>
-              <a:t>10/17/2022</a:t>
+              <a:t>10/20/2022</a:t>
             </a:fld>
             <a:endParaRPr lang="en-US"/>
           </a:p>
@@ -6918,7 +6918,7 @@
           <a:p>
             <a:fld id="{4DDB5538-DA78-4C2C-BF6B-9485BBAF1D80}" type="datetimeFigureOut">
               <a:rPr lang="en-US" smtClean="0"/>
-              <a:t>10/17/2022</a:t>
+              <a:t>10/20/2022</a:t>
             </a:fld>
             <a:endParaRPr lang="en-US"/>
           </a:p>
@@ -7304,7 +7304,7 @@
           <a:p>
             <a:fld id="{4DDB5538-DA78-4C2C-BF6B-9485BBAF1D80}" type="datetimeFigureOut">
               <a:rPr lang="en-US" smtClean="0"/>
-              <a:t>10/17/2022</a:t>
+              <a:t>10/20/2022</a:t>
             </a:fld>
             <a:endParaRPr lang="en-US"/>
           </a:p>
@@ -7564,7 +7564,7 @@
           <a:p>
             <a:fld id="{4DDB5538-DA78-4C2C-BF6B-9485BBAF1D80}" type="datetimeFigureOut">
               <a:rPr lang="en-US" smtClean="0"/>
-              <a:t>10/17/2022</a:t>
+              <a:t>10/20/2022</a:t>
             </a:fld>
             <a:endParaRPr lang="en-US"/>
           </a:p>
@@ -10611,7 +10611,7 @@
             <a:pPr lvl="2"/>
             <a:r>
               <a:rPr lang="en-US" sz="1600" dirty="0"/>
-              <a:t>SCAD: Scalable Computing and Algorithms for Digital Health</a:t>
+              <a:t>APAD: Acquisition, Processing and Analysis of Health Data</a:t>
             </a:r>
             <a:endParaRPr lang="en-US" b="1" dirty="0"/>
           </a:p>
